--- a/instructions/Instructions_auditory_only_task_keyboard.pptx
+++ b/instructions/Instructions_auditory_only_task_keyboard.pptx
@@ -304,7 +304,7 @@
           <a:p>
             <a:fld id="{9D7C6ACB-8DF6-1449-BE97-CA8D947F79D3}" type="datetimeFigureOut">
               <a:rPr lang="en-US" smtClean="0"/>
-              <a:t>7/11/2023</a:t>
+              <a:t>7/18/2023</a:t>
             </a:fld>
             <a:endParaRPr lang="en-US"/>
           </a:p>
@@ -472,7 +472,7 @@
           <a:p>
             <a:fld id="{9D7C6ACB-8DF6-1449-BE97-CA8D947F79D3}" type="datetimeFigureOut">
               <a:rPr lang="en-US" smtClean="0"/>
-              <a:t>7/11/2023</a:t>
+              <a:t>7/18/2023</a:t>
             </a:fld>
             <a:endParaRPr lang="en-US"/>
           </a:p>
@@ -650,7 +650,7 @@
           <a:p>
             <a:fld id="{9D7C6ACB-8DF6-1449-BE97-CA8D947F79D3}" type="datetimeFigureOut">
               <a:rPr lang="en-US" smtClean="0"/>
-              <a:t>7/11/2023</a:t>
+              <a:t>7/18/2023</a:t>
             </a:fld>
             <a:endParaRPr lang="en-US"/>
           </a:p>
@@ -818,7 +818,7 @@
           <a:p>
             <a:fld id="{9D7C6ACB-8DF6-1449-BE97-CA8D947F79D3}" type="datetimeFigureOut">
               <a:rPr lang="en-US" smtClean="0"/>
-              <a:t>7/11/2023</a:t>
+              <a:t>7/18/2023</a:t>
             </a:fld>
             <a:endParaRPr lang="en-US"/>
           </a:p>
@@ -1063,7 +1063,7 @@
           <a:p>
             <a:fld id="{9D7C6ACB-8DF6-1449-BE97-CA8D947F79D3}" type="datetimeFigureOut">
               <a:rPr lang="en-US" smtClean="0"/>
-              <a:t>7/11/2023</a:t>
+              <a:t>7/18/2023</a:t>
             </a:fld>
             <a:endParaRPr lang="en-US"/>
           </a:p>
@@ -1348,7 +1348,7 @@
           <a:p>
             <a:fld id="{9D7C6ACB-8DF6-1449-BE97-CA8D947F79D3}" type="datetimeFigureOut">
               <a:rPr lang="en-US" smtClean="0"/>
-              <a:t>7/11/2023</a:t>
+              <a:t>7/18/2023</a:t>
             </a:fld>
             <a:endParaRPr lang="en-US"/>
           </a:p>
@@ -1767,7 +1767,7 @@
           <a:p>
             <a:fld id="{9D7C6ACB-8DF6-1449-BE97-CA8D947F79D3}" type="datetimeFigureOut">
               <a:rPr lang="en-US" smtClean="0"/>
-              <a:t>7/11/2023</a:t>
+              <a:t>7/18/2023</a:t>
             </a:fld>
             <a:endParaRPr lang="en-US"/>
           </a:p>
@@ -1884,7 +1884,7 @@
           <a:p>
             <a:fld id="{9D7C6ACB-8DF6-1449-BE97-CA8D947F79D3}" type="datetimeFigureOut">
               <a:rPr lang="en-US" smtClean="0"/>
-              <a:t>7/11/2023</a:t>
+              <a:t>7/18/2023</a:t>
             </a:fld>
             <a:endParaRPr lang="en-US"/>
           </a:p>
@@ -1979,7 +1979,7 @@
           <a:p>
             <a:fld id="{9D7C6ACB-8DF6-1449-BE97-CA8D947F79D3}" type="datetimeFigureOut">
               <a:rPr lang="en-US" smtClean="0"/>
-              <a:t>7/11/2023</a:t>
+              <a:t>7/18/2023</a:t>
             </a:fld>
             <a:endParaRPr lang="en-US"/>
           </a:p>
@@ -2254,7 +2254,7 @@
           <a:p>
             <a:fld id="{9D7C6ACB-8DF6-1449-BE97-CA8D947F79D3}" type="datetimeFigureOut">
               <a:rPr lang="en-US" smtClean="0"/>
-              <a:t>7/11/2023</a:t>
+              <a:t>7/18/2023</a:t>
             </a:fld>
             <a:endParaRPr lang="en-US"/>
           </a:p>
@@ -2506,7 +2506,7 @@
           <a:p>
             <a:fld id="{9D7C6ACB-8DF6-1449-BE97-CA8D947F79D3}" type="datetimeFigureOut">
               <a:rPr lang="en-US" smtClean="0"/>
-              <a:t>7/11/2023</a:t>
+              <a:t>7/18/2023</a:t>
             </a:fld>
             <a:endParaRPr lang="en-US"/>
           </a:p>
@@ -2720,7 +2720,7 @@
           <a:p>
             <a:fld id="{9D7C6ACB-8DF6-1449-BE97-CA8D947F79D3}" type="datetimeFigureOut">
               <a:rPr lang="en-US" smtClean="0"/>
-              <a:t>7/11/2023</a:t>
+              <a:t>7/18/2023</a:t>
             </a:fld>
             <a:endParaRPr lang="en-US"/>
           </a:p>
@@ -3104,7 +3104,7 @@
         <p:spPr>
           <a:xfrm>
             <a:off x="2208757" y="1720840"/>
-            <a:ext cx="7774486" cy="3785652"/>
+            <a:ext cx="7774486" cy="3416320"/>
           </a:xfrm>
           <a:prstGeom prst="rect">
             <a:avLst/>
@@ -3173,7 +3173,7 @@
             </a:r>
             <a:r>
               <a:rPr lang="en-US" sz="2400" b="1" dirty="0" smtClean="0"/>
-              <a:t>left index finger button </a:t>
+              <a:t>down arrow </a:t>
             </a:r>
             <a:r>
               <a:rPr lang="en-US" sz="2400" dirty="0" smtClean="0"/>
@@ -3189,19 +3189,19 @@
             </a:r>
             <a:r>
               <a:rPr lang="en-US" sz="2400" b="1" dirty="0" smtClean="0"/>
-              <a:t>right index finger button </a:t>
+              <a:t>up arrow </a:t>
             </a:r>
             <a:r>
               <a:rPr lang="en-US" sz="2400" dirty="0" smtClean="0"/>
-              <a:t>when you hear a </a:t>
+              <a:t>when </a:t>
+            </a:r>
+            <a:r>
+              <a:rPr lang="en-US" sz="2400" dirty="0" smtClean="0"/>
+              <a:t>you hear a </a:t>
             </a:r>
             <a:r>
               <a:rPr lang="en-US" sz="2400" b="1" dirty="0" smtClean="0"/>
-              <a:t>high </a:t>
-            </a:r>
-            <a:r>
-              <a:rPr lang="en-US" sz="2400" b="1" dirty="0" smtClean="0"/>
-              <a:t>pitch sound</a:t>
+              <a:t>high pitch sound</a:t>
             </a:r>
             <a:r>
               <a:rPr lang="en-US" sz="2400" dirty="0" smtClean="0"/>
@@ -3250,15 +3250,15 @@
               <a:t>Press the </a:t>
             </a:r>
             <a:r>
-              <a:rPr lang="en-US" sz="2400" b="1" i="1" dirty="0"/>
-              <a:t>right ring finger button </a:t>
-            </a:r>
-            <a:r>
-              <a:rPr lang="en-US" sz="2400" i="1"/>
+              <a:rPr lang="en-US" sz="2400" b="1" i="1" smtClean="0"/>
+              <a:t>right arrow </a:t>
+            </a:r>
+            <a:r>
+              <a:rPr lang="en-US" sz="2400" i="1" smtClean="0"/>
               <a:t>to </a:t>
             </a:r>
             <a:r>
-              <a:rPr lang="en-US" sz="2400" b="1" i="1" smtClean="0"/>
+              <a:rPr lang="en-US" sz="2400" b="1" i="1" dirty="0" smtClean="0"/>
               <a:t>proceed</a:t>
             </a:r>
             <a:endParaRPr lang="en-US" sz="2400" i="1" dirty="0"/>
@@ -3428,7 +3428,7 @@
             </a:r>
             <a:r>
               <a:rPr lang="en-US" sz="2400" b="1" i="1" dirty="0"/>
-              <a:t>right ring finger button </a:t>
+              <a:t>right arrow </a:t>
             </a:r>
             <a:r>
               <a:rPr lang="en-US" sz="2400" i="1" dirty="0"/>
@@ -3444,7 +3444,7 @@
             </a:r>
             <a:r>
               <a:rPr lang="en-US" sz="2400" b="1" i="1" dirty="0"/>
-              <a:t>left ring finger button</a:t>
+              <a:t>left arrow</a:t>
             </a:r>
             <a:r>
               <a:rPr lang="en-US" sz="2400" i="1" dirty="0"/>
@@ -3764,7 +3764,7 @@
             </a:r>
             <a:r>
               <a:rPr lang="en-US" sz="2400" b="1" i="1" dirty="0"/>
-              <a:t>right ring finger button </a:t>
+              <a:t>right arrow </a:t>
             </a:r>
             <a:r>
               <a:rPr lang="en-US" sz="2400" i="1" dirty="0"/>
@@ -3780,7 +3780,7 @@
             </a:r>
             <a:r>
               <a:rPr lang="en-US" sz="2400" b="1" i="1" dirty="0"/>
-              <a:t>left ring finger button</a:t>
+              <a:t>left arrow</a:t>
             </a:r>
             <a:r>
               <a:rPr lang="en-US" sz="2400" i="1" dirty="0"/>
